--- a/Bootcamp/git-uvod/git-uvod.pptx
+++ b/Bootcamp/git-uvod/git-uvod.pptx
@@ -231,7 +231,7 @@
           <a:p>
             <a:fld id="{B2A70591-2E3C-5F42-A4E1-C0F5A0F4E5DB}" type="datetimeFigureOut">
               <a:rPr lang="en-US" smtClean="0"/>
-              <a:t>3/5/2025</a:t>
+              <a:t>3/12/2025</a:t>
             </a:fld>
             <a:endParaRPr lang="en-US"/>
           </a:p>
@@ -1731,7 +1731,7 @@
                 <a:ea typeface="Open Sans" panose="020B0606030504020204" pitchFamily="34" charset="0"/>
                 <a:cs typeface="Open Sans" panose="020B0606030504020204" pitchFamily="34" charset="0"/>
               </a:rPr>
-              <a:t>05/03/2025</a:t>
+              <a:t>12/03/2025</a:t>
             </a:fld>
             <a:endParaRPr lang="en-GB" sz="1800" b="0" i="0" kern="1200" dirty="0">
               <a:solidFill>
@@ -2476,7 +2476,7 @@
                 <a:ea typeface="Open Sans" panose="020B0606030504020204" pitchFamily="34" charset="0"/>
                 <a:cs typeface="Open Sans" panose="020B0606030504020204" pitchFamily="34" charset="0"/>
               </a:rPr>
-              <a:t>05/03/2025</a:t>
+              <a:t>12/03/2025</a:t>
             </a:fld>
             <a:endParaRPr lang="en-GB" sz="1800" b="0" i="0" kern="1200" dirty="0">
               <a:solidFill>
@@ -2999,7 +2999,7 @@
                 <a:ea typeface="Open Sans" panose="020B0606030504020204" pitchFamily="34" charset="0"/>
                 <a:cs typeface="Open Sans" panose="020B0606030504020204" pitchFamily="34" charset="0"/>
               </a:rPr>
-              <a:t>05/03/2025</a:t>
+              <a:t>12/03/2025</a:t>
             </a:fld>
             <a:endParaRPr lang="en-GB" sz="1800" b="0" i="0" kern="1200" dirty="0">
               <a:solidFill>
@@ -3965,7 +3965,7 @@
                 <a:ea typeface="Open Sans" panose="020B0606030504020204" pitchFamily="34" charset="0"/>
                 <a:cs typeface="Open Sans" panose="020B0606030504020204" pitchFamily="34" charset="0"/>
               </a:rPr>
-              <a:t>05/03/2025</a:t>
+              <a:t>12/03/2025</a:t>
             </a:fld>
             <a:endParaRPr lang="en-GB" sz="1800" b="0" i="0" kern="1200" dirty="0">
               <a:solidFill>
@@ -4404,7 +4404,7 @@
                 <a:ea typeface="Open Sans" panose="020B0606030504020204" pitchFamily="34" charset="0"/>
                 <a:cs typeface="Open Sans" panose="020B0606030504020204" pitchFamily="34" charset="0"/>
               </a:rPr>
-              <a:t>05/03/2025</a:t>
+              <a:t>12/03/2025</a:t>
             </a:fld>
             <a:endParaRPr lang="en-GB" sz="1800" b="0" i="0" kern="1200" dirty="0">
               <a:solidFill>
@@ -6174,7 +6174,7 @@
                 <a:ea typeface="Open Sans" pitchFamily="2" charset="0"/>
                 <a:cs typeface="Open Sans" pitchFamily="2" charset="0"/>
               </a:rPr>
-              <a:t>05/03/2025</a:t>
+              <a:t>12/03/2025</a:t>
             </a:fld>
             <a:endParaRPr lang="en-GB" sz="1800" b="0" i="0" kern="1200" dirty="0">
               <a:solidFill>
@@ -7924,7 +7924,7 @@
                 <a:ea typeface="Open Sans" pitchFamily="2" charset="0"/>
                 <a:cs typeface="Open Sans" pitchFamily="2" charset="0"/>
               </a:rPr>
-              <a:t>05/03/2025</a:t>
+              <a:t>12/03/2025</a:t>
             </a:fld>
             <a:endParaRPr lang="en-GB" sz="1800" b="0" i="0" kern="1200" dirty="0">
               <a:solidFill>
@@ -8441,7 +8441,7 @@
                 <a:ea typeface="Open Sans" panose="020B0606030504020204" pitchFamily="34" charset="0"/>
                 <a:cs typeface="Open Sans" panose="020B0606030504020204" pitchFamily="34" charset="0"/>
               </a:rPr>
-              <a:t>05/03/2025</a:t>
+              <a:t>12/03/2025</a:t>
             </a:fld>
             <a:endParaRPr lang="en-GB" sz="1800" b="0" i="0" kern="1200" dirty="0">
               <a:solidFill>
@@ -9038,7 +9038,7 @@
                 <a:ea typeface="Open Sans" pitchFamily="2" charset="0"/>
                 <a:cs typeface="Open Sans" pitchFamily="2" charset="0"/>
               </a:rPr>
-              <a:t>05/03/2025</a:t>
+              <a:t>12/03/2025</a:t>
             </a:fld>
             <a:endParaRPr lang="en-GB" sz="1800" b="0" i="0" kern="1200" dirty="0">
               <a:solidFill>
@@ -9578,7 +9578,7 @@
                 <a:ea typeface="Open Sans" panose="020B0606030504020204" pitchFamily="34" charset="0"/>
                 <a:cs typeface="Open Sans" panose="020B0606030504020204" pitchFamily="34" charset="0"/>
               </a:rPr>
-              <a:t>05/03/2025</a:t>
+              <a:t>12/03/2025</a:t>
             </a:fld>
             <a:endParaRPr lang="en-GB" sz="1800" b="0" i="0" kern="1200" dirty="0">
               <a:solidFill>
@@ -10279,7 +10279,7 @@
                 <a:ea typeface="Open Sans" panose="020B0606030504020204" pitchFamily="34" charset="0"/>
                 <a:cs typeface="Open Sans" panose="020B0606030504020204" pitchFamily="34" charset="0"/>
               </a:rPr>
-              <a:t>05/03/2025</a:t>
+              <a:t>12/03/2025</a:t>
             </a:fld>
             <a:endParaRPr lang="en-GB" sz="1800" b="0" i="0" kern="1200" dirty="0">
               <a:solidFill>
@@ -10642,7 +10642,7 @@
                 <a:ea typeface="Open Sans" pitchFamily="2" charset="0"/>
                 <a:cs typeface="Open Sans" pitchFamily="2" charset="0"/>
               </a:rPr>
-              <a:t>05/03/2025</a:t>
+              <a:t>12/03/2025</a:t>
             </a:fld>
             <a:endParaRPr lang="en-GB" sz="1800" b="0" i="0" kern="1200" dirty="0">
               <a:solidFill>
@@ -11037,7 +11037,7 @@
                 <a:ea typeface="Open Sans" pitchFamily="2" charset="0"/>
                 <a:cs typeface="Open Sans" pitchFamily="2" charset="0"/>
               </a:rPr>
-              <a:t>05/03/2025</a:t>
+              <a:t>12/03/2025</a:t>
             </a:fld>
             <a:endParaRPr lang="en-GB" sz="1800" b="0" i="0" kern="1200" dirty="0">
               <a:solidFill>
@@ -12700,238 +12700,6 @@
               <a:t>fajl</a:t>
             </a:r>
             <a:endParaRPr lang="hr-HR" dirty="0"/>
-          </a:p>
-        </p:txBody>
-      </p:sp>
-      <p:sp>
-        <p:nvSpPr>
-          <p:cNvPr id="11" name="Content Placeholder 2">
-            <a:extLst>
-              <a:ext uri="{FF2B5EF4-FFF2-40B4-BE49-F238E27FC236}">
-                <a16:creationId xmlns:a16="http://schemas.microsoft.com/office/drawing/2014/main" id="{9186E60F-6E48-E070-92A1-0B60A364954F}"/>
-              </a:ext>
-            </a:extLst>
-          </p:cNvPr>
-          <p:cNvSpPr txBox="1">
-            <a:spLocks/>
-          </p:cNvSpPr>
-          <p:nvPr/>
-        </p:nvSpPr>
-        <p:spPr>
-          <a:xfrm>
-            <a:off x="990600" y="1348892"/>
-            <a:ext cx="4017335" cy="3887643"/>
-          </a:xfrm>
-          <a:prstGeom prst="rect">
-            <a:avLst/>
-          </a:prstGeom>
-        </p:spPr>
-        <p:txBody>
-          <a:bodyPr vert="horz" lIns="91440" tIns="45720" rIns="91440" bIns="45720" rtlCol="0">
-            <a:normAutofit/>
-          </a:bodyPr>
-          <a:lstStyle>
-            <a:lvl1pPr marL="368300" indent="-352425" algn="l" defTabSz="914400" rtl="0" eaLnBrk="1" latinLnBrk="0" hangingPunct="1">
-              <a:lnSpc>
-                <a:spcPct val="90000"/>
-              </a:lnSpc>
-              <a:spcBef>
-                <a:spcPts val="600"/>
-              </a:spcBef>
-              <a:spcAft>
-                <a:spcPts val="600"/>
-              </a:spcAft>
-              <a:buClr>
-                <a:schemeClr val="accent2"/>
-              </a:buClr>
-              <a:buFont typeface="Wingdings" pitchFamily="2" charset="2"/>
-              <a:buChar char="§"/>
-              <a:tabLst/>
-              <a:defRPr sz="2400" kern="1200">
-                <a:solidFill>
-                  <a:schemeClr val="tx1"/>
-                </a:solidFill>
-                <a:latin typeface="+mn-lt"/>
-                <a:ea typeface="Open Sans" panose="020B0606030504020204" pitchFamily="34" charset="0"/>
-                <a:cs typeface="Open Sans" panose="020B0606030504020204" pitchFamily="34" charset="0"/>
-              </a:defRPr>
-            </a:lvl1pPr>
-            <a:lvl2pPr marL="771525" indent="-274638" algn="l" defTabSz="914400" rtl="0" eaLnBrk="1" latinLnBrk="0" hangingPunct="1">
-              <a:lnSpc>
-                <a:spcPct val="90000"/>
-              </a:lnSpc>
-              <a:spcBef>
-                <a:spcPts val="600"/>
-              </a:spcBef>
-              <a:spcAft>
-                <a:spcPts val="600"/>
-              </a:spcAft>
-              <a:buClr>
-                <a:schemeClr val="accent2"/>
-              </a:buClr>
-              <a:buFont typeface="Wingdings" pitchFamily="2" charset="2"/>
-              <a:buChar char="§"/>
-              <a:tabLst/>
-              <a:defRPr sz="2200" kern="1200">
-                <a:solidFill>
-                  <a:schemeClr val="tx1"/>
-                </a:solidFill>
-                <a:latin typeface="+mn-lt"/>
-                <a:ea typeface="Open Sans" panose="020B0606030504020204" pitchFamily="34" charset="0"/>
-                <a:cs typeface="Open Sans" panose="020B0606030504020204" pitchFamily="34" charset="0"/>
-              </a:defRPr>
-            </a:lvl2pPr>
-            <a:lvl3pPr marL="1143000" indent="-228600" algn="l" defTabSz="914400" rtl="0" eaLnBrk="1" latinLnBrk="0" hangingPunct="1">
-              <a:lnSpc>
-                <a:spcPct val="90000"/>
-              </a:lnSpc>
-              <a:spcBef>
-                <a:spcPts val="600"/>
-              </a:spcBef>
-              <a:spcAft>
-                <a:spcPts val="600"/>
-              </a:spcAft>
-              <a:buClr>
-                <a:schemeClr val="accent2"/>
-              </a:buClr>
-              <a:buFont typeface="Wingdings" pitchFamily="2" charset="2"/>
-              <a:buChar char="§"/>
-              <a:defRPr sz="2000" kern="1200">
-                <a:solidFill>
-                  <a:schemeClr val="tx1"/>
-                </a:solidFill>
-                <a:latin typeface="+mn-lt"/>
-                <a:ea typeface="Open Sans" panose="020B0606030504020204" pitchFamily="34" charset="0"/>
-                <a:cs typeface="Open Sans" panose="020B0606030504020204" pitchFamily="34" charset="0"/>
-              </a:defRPr>
-            </a:lvl3pPr>
-            <a:lvl4pPr marL="1600200" indent="-228600" algn="l" defTabSz="914400" rtl="0" eaLnBrk="1" latinLnBrk="0" hangingPunct="1">
-              <a:lnSpc>
-                <a:spcPct val="90000"/>
-              </a:lnSpc>
-              <a:spcBef>
-                <a:spcPts val="600"/>
-              </a:spcBef>
-              <a:spcAft>
-                <a:spcPts val="600"/>
-              </a:spcAft>
-              <a:buClr>
-                <a:schemeClr val="accent2"/>
-              </a:buClr>
-              <a:buFont typeface="Wingdings" pitchFamily="2" charset="2"/>
-              <a:buChar char="§"/>
-              <a:defRPr sz="1800" kern="1200">
-                <a:solidFill>
-                  <a:schemeClr val="tx1"/>
-                </a:solidFill>
-                <a:latin typeface="+mn-lt"/>
-                <a:ea typeface="Open Sans" panose="020B0606030504020204" pitchFamily="34" charset="0"/>
-                <a:cs typeface="Open Sans" panose="020B0606030504020204" pitchFamily="34" charset="0"/>
-              </a:defRPr>
-            </a:lvl4pPr>
-            <a:lvl5pPr marL="1960563" indent="-225425" algn="l" defTabSz="914400" rtl="0" eaLnBrk="1" latinLnBrk="0" hangingPunct="1">
-              <a:lnSpc>
-                <a:spcPct val="90000"/>
-              </a:lnSpc>
-              <a:spcBef>
-                <a:spcPts val="600"/>
-              </a:spcBef>
-              <a:spcAft>
-                <a:spcPts val="600"/>
-              </a:spcAft>
-              <a:buClr>
-                <a:schemeClr val="accent2"/>
-              </a:buClr>
-              <a:buFont typeface="Wingdings" pitchFamily="2" charset="2"/>
-              <a:buChar char="§"/>
-              <a:tabLst/>
-              <a:defRPr sz="1600" kern="1200">
-                <a:solidFill>
-                  <a:schemeClr val="tx1"/>
-                </a:solidFill>
-                <a:latin typeface="+mn-lt"/>
-                <a:ea typeface="Open Sans" panose="020B0606030504020204" pitchFamily="34" charset="0"/>
-                <a:cs typeface="Open Sans" panose="020B0606030504020204" pitchFamily="34" charset="0"/>
-              </a:defRPr>
-            </a:lvl5pPr>
-            <a:lvl6pPr marL="2514600" indent="-228600" algn="l" defTabSz="914400" rtl="0" eaLnBrk="1" latinLnBrk="0" hangingPunct="1">
-              <a:lnSpc>
-                <a:spcPct val="90000"/>
-              </a:lnSpc>
-              <a:spcBef>
-                <a:spcPts val="500"/>
-              </a:spcBef>
-              <a:buFont typeface="Arial" panose="020B0604020202020204" pitchFamily="34" charset="0"/>
-              <a:buChar char="•"/>
-              <a:defRPr sz="1800" kern="1200">
-                <a:solidFill>
-                  <a:schemeClr val="tx1"/>
-                </a:solidFill>
-                <a:latin typeface="+mn-lt"/>
-                <a:ea typeface="+mn-ea"/>
-                <a:cs typeface="+mn-cs"/>
-              </a:defRPr>
-            </a:lvl6pPr>
-            <a:lvl7pPr marL="2971800" indent="-228600" algn="l" defTabSz="914400" rtl="0" eaLnBrk="1" latinLnBrk="0" hangingPunct="1">
-              <a:lnSpc>
-                <a:spcPct val="90000"/>
-              </a:lnSpc>
-              <a:spcBef>
-                <a:spcPts val="500"/>
-              </a:spcBef>
-              <a:buFont typeface="Arial" panose="020B0604020202020204" pitchFamily="34" charset="0"/>
-              <a:buChar char="•"/>
-              <a:defRPr sz="1800" kern="1200">
-                <a:solidFill>
-                  <a:schemeClr val="tx1"/>
-                </a:solidFill>
-                <a:latin typeface="+mn-lt"/>
-                <a:ea typeface="+mn-ea"/>
-                <a:cs typeface="+mn-cs"/>
-              </a:defRPr>
-            </a:lvl7pPr>
-            <a:lvl8pPr marL="3429000" indent="-228600" algn="l" defTabSz="914400" rtl="0" eaLnBrk="1" latinLnBrk="0" hangingPunct="1">
-              <a:lnSpc>
-                <a:spcPct val="90000"/>
-              </a:lnSpc>
-              <a:spcBef>
-                <a:spcPts val="500"/>
-              </a:spcBef>
-              <a:buFont typeface="Arial" panose="020B0604020202020204" pitchFamily="34" charset="0"/>
-              <a:buChar char="•"/>
-              <a:defRPr sz="1800" kern="1200">
-                <a:solidFill>
-                  <a:schemeClr val="tx1"/>
-                </a:solidFill>
-                <a:latin typeface="+mn-lt"/>
-                <a:ea typeface="+mn-ea"/>
-                <a:cs typeface="+mn-cs"/>
-              </a:defRPr>
-            </a:lvl8pPr>
-            <a:lvl9pPr marL="3886200" indent="-228600" algn="l" defTabSz="914400" rtl="0" eaLnBrk="1" latinLnBrk="0" hangingPunct="1">
-              <a:lnSpc>
-                <a:spcPct val="90000"/>
-              </a:lnSpc>
-              <a:spcBef>
-                <a:spcPts val="500"/>
-              </a:spcBef>
-              <a:buFont typeface="Arial" panose="020B0604020202020204" pitchFamily="34" charset="0"/>
-              <a:buChar char="•"/>
-              <a:defRPr sz="1800" kern="1200">
-                <a:solidFill>
-                  <a:schemeClr val="tx1"/>
-                </a:solidFill>
-                <a:latin typeface="+mn-lt"/>
-                <a:ea typeface="+mn-ea"/>
-                <a:cs typeface="+mn-cs"/>
-              </a:defRPr>
-            </a:lvl9pPr>
-          </a:lstStyle>
-          <a:p>
-            <a:pPr marL="15875" indent="0">
-              <a:buNone/>
-            </a:pPr>
-            <a:endParaRPr lang="en-US" dirty="0"/>
           </a:p>
         </p:txBody>
       </p:sp>
@@ -13923,26 +13691,6 @@
 </file>
 
 <file path=customXml/item1.xml><?xml version="1.0" encoding="utf-8"?>
-<?mso-contentType ?>
-<FormTemplates xmlns="http://schemas.microsoft.com/sharepoint/v3/contenttype/forms">
-  <Display>DocumentLibraryForm</Display>
-  <Edit>DocumentLibraryForm</Edit>
-  <New>DocumentLibraryForm</New>
-</FormTemplates>
-</file>
-
-<file path=customXml/item2.xml><?xml version="1.0" encoding="utf-8"?>
-<p:properties xmlns:p="http://schemas.microsoft.com/office/2006/metadata/properties" xmlns:xsi="http://www.w3.org/2001/XMLSchema-instance" xmlns:pc="http://schemas.microsoft.com/office/infopath/2007/PartnerControls">
-  <documentManagement>
-    <lcf76f155ced4ddcb4097134ff3c332f xmlns="40806f44-bc4a-4ea4-b660-c6da93f8f179">
-      <Terms xmlns="http://schemas.microsoft.com/office/infopath/2007/PartnerControls"/>
-    </lcf76f155ced4ddcb4097134ff3c332f>
-    <TaxCatchAll xmlns="758d0d8f-b783-4c78-ab73-9740c97b97cf" xsi:nil="true"/>
-  </documentManagement>
-</p:properties>
-</file>
-
-<file path=customXml/item3.xml><?xml version="1.0" encoding="utf-8"?>
 <ct:contentTypeSchema xmlns:ct="http://schemas.microsoft.com/office/2006/metadata/contentType" xmlns:ma="http://schemas.microsoft.com/office/2006/metadata/properties/metaAttributes" ct:_="" ma:_="" ma:contentTypeName="Document" ma:contentTypeID="0x010100E4F55D9EF0BF0A44B819E681FCAC00B7" ma:contentTypeVersion="12" ma:contentTypeDescription="Create a new document." ma:contentTypeScope="" ma:versionID="068ce121a7a7a0aebcb89dd601c4f0a2">
   <xsd:schema xmlns:xsd="http://www.w3.org/2001/XMLSchema" xmlns:xs="http://www.w3.org/2001/XMLSchema" xmlns:p="http://schemas.microsoft.com/office/2006/metadata/properties" xmlns:ns2="40806f44-bc4a-4ea4-b660-c6da93f8f179" xmlns:ns3="758d0d8f-b783-4c78-ab73-9740c97b97cf" targetNamespace="http://schemas.microsoft.com/office/2006/metadata/properties" ma:root="true" ma:fieldsID="67c58e6c5c8ea9af0822acd84d25e1a2" ns2:_="" ns3:_="">
     <xsd:import namespace="40806f44-bc4a-4ea4-b660-c6da93f8f179"/>
@@ -14159,10 +13907,41 @@
 </ct:contentTypeSchema>
 </file>
 
+<file path=customXml/item2.xml><?xml version="1.0" encoding="utf-8"?>
+<p:properties xmlns:p="http://schemas.microsoft.com/office/2006/metadata/properties" xmlns:xsi="http://www.w3.org/2001/XMLSchema-instance" xmlns:pc="http://schemas.microsoft.com/office/infopath/2007/PartnerControls">
+  <documentManagement>
+    <lcf76f155ced4ddcb4097134ff3c332f xmlns="40806f44-bc4a-4ea4-b660-c6da93f8f179">
+      <Terms xmlns="http://schemas.microsoft.com/office/infopath/2007/PartnerControls"/>
+    </lcf76f155ced4ddcb4097134ff3c332f>
+    <TaxCatchAll xmlns="758d0d8f-b783-4c78-ab73-9740c97b97cf" xsi:nil="true"/>
+  </documentManagement>
+</p:properties>
+</file>
+
+<file path=customXml/item3.xml><?xml version="1.0" encoding="utf-8"?>
+<?mso-contentType ?>
+<FormTemplates xmlns="http://schemas.microsoft.com/sharepoint/v3/contenttype/forms">
+  <Display>DocumentLibraryForm</Display>
+  <Edit>DocumentLibraryForm</Edit>
+  <New>DocumentLibraryForm</New>
+</FormTemplates>
+</file>
+
 <file path=customXml/itemProps1.xml><?xml version="1.0" encoding="utf-8"?>
-<ds:datastoreItem xmlns:ds="http://schemas.openxmlformats.org/officeDocument/2006/customXml" ds:itemID="{46915D30-CAA6-465E-907F-1770D4E3B01D}">
+<ds:datastoreItem xmlns:ds="http://schemas.openxmlformats.org/officeDocument/2006/customXml" ds:itemID="{4E6AED0F-96FF-4C7F-8AC9-672C91BFCDFE}">
   <ds:schemaRefs>
-    <ds:schemaRef ds:uri="http://schemas.microsoft.com/sharepoint/v3/contenttype/forms"/>
+    <ds:schemaRef ds:uri="http://schemas.microsoft.com/office/2006/metadata/contentType"/>
+    <ds:schemaRef ds:uri="http://schemas.microsoft.com/office/2006/metadata/properties/metaAttributes"/>
+    <ds:schemaRef ds:uri="http://www.w3.org/2001/XMLSchema"/>
+    <ds:schemaRef ds:uri="http://schemas.microsoft.com/office/2006/metadata/properties"/>
+    <ds:schemaRef ds:uri="40806f44-bc4a-4ea4-b660-c6da93f8f179"/>
+    <ds:schemaRef ds:uri="758d0d8f-b783-4c78-ab73-9740c97b97cf"/>
+    <ds:schemaRef ds:uri="http://schemas.microsoft.com/office/2006/documentManagement/types"/>
+    <ds:schemaRef ds:uri="http://schemas.microsoft.com/office/infopath/2007/PartnerControls"/>
+    <ds:schemaRef ds:uri="http://schemas.openxmlformats.org/package/2006/metadata/core-properties"/>
+    <ds:schemaRef ds:uri="http://purl.org/dc/elements/1.1/"/>
+    <ds:schemaRef ds:uri="http://purl.org/dc/terms/"/>
+    <ds:schemaRef ds:uri="http://schemas.microsoft.com/internal/obd"/>
   </ds:schemaRefs>
 </ds:datastoreItem>
 </file>
@@ -14185,20 +13964,9 @@
 </file>
 
 <file path=customXml/itemProps3.xml><?xml version="1.0" encoding="utf-8"?>
-<ds:datastoreItem xmlns:ds="http://schemas.openxmlformats.org/officeDocument/2006/customXml" ds:itemID="{4E6AED0F-96FF-4C7F-8AC9-672C91BFCDFE}">
+<ds:datastoreItem xmlns:ds="http://schemas.openxmlformats.org/officeDocument/2006/customXml" ds:itemID="{46915D30-CAA6-465E-907F-1770D4E3B01D}">
   <ds:schemaRefs>
-    <ds:schemaRef ds:uri="http://schemas.microsoft.com/office/2006/metadata/contentType"/>
-    <ds:schemaRef ds:uri="http://schemas.microsoft.com/office/2006/metadata/properties/metaAttributes"/>
-    <ds:schemaRef ds:uri="http://www.w3.org/2001/XMLSchema"/>
-    <ds:schemaRef ds:uri="http://schemas.microsoft.com/office/2006/metadata/properties"/>
-    <ds:schemaRef ds:uri="40806f44-bc4a-4ea4-b660-c6da93f8f179"/>
-    <ds:schemaRef ds:uri="758d0d8f-b783-4c78-ab73-9740c97b97cf"/>
-    <ds:schemaRef ds:uri="http://schemas.microsoft.com/office/2006/documentManagement/types"/>
-    <ds:schemaRef ds:uri="http://schemas.microsoft.com/office/infopath/2007/PartnerControls"/>
-    <ds:schemaRef ds:uri="http://schemas.openxmlformats.org/package/2006/metadata/core-properties"/>
-    <ds:schemaRef ds:uri="http://purl.org/dc/elements/1.1/"/>
-    <ds:schemaRef ds:uri="http://purl.org/dc/terms/"/>
-    <ds:schemaRef ds:uri="http://schemas.microsoft.com/internal/obd"/>
+    <ds:schemaRef ds:uri="http://schemas.microsoft.com/sharepoint/v3/contenttype/forms"/>
   </ds:schemaRefs>
 </ds:datastoreItem>
 </file>